--- a/Мои_факапс_юрлов.pptx
+++ b/Мои_факапс_юрлов.pptx
@@ -6,10 +6,11 @@
   </p:sldMasterIdLst>
   <p:sldIdLst>
     <p:sldId id="256" r:id="rId2"/>
-    <p:sldId id="257" r:id="rId3"/>
-    <p:sldId id="258" r:id="rId4"/>
-    <p:sldId id="259" r:id="rId5"/>
-    <p:sldId id="260" r:id="rId6"/>
+    <p:sldId id="261" r:id="rId3"/>
+    <p:sldId id="257" r:id="rId4"/>
+    <p:sldId id="258" r:id="rId5"/>
+    <p:sldId id="259" r:id="rId6"/>
+    <p:sldId id="260" r:id="rId7"/>
   </p:sldIdLst>
   <p:sldSz cx="12192000" cy="6858000"/>
   <p:notesSz cx="6858000" cy="9144000"/>
@@ -3316,6 +3317,17 @@
 <file path=ppt/slides/slide1.xml><?xml version="1.0" encoding="utf-8"?>
 <p:sld xmlns:a="http://schemas.openxmlformats.org/drawingml/2006/main" xmlns:r="http://schemas.openxmlformats.org/officeDocument/2006/relationships" xmlns:p="http://schemas.openxmlformats.org/presentationml/2006/main">
   <p:cSld>
+    <p:bg>
+      <p:bgPr>
+        <a:solidFill>
+          <a:schemeClr val="accent3">
+            <a:lumMod val="20000"/>
+            <a:lumOff val="80000"/>
+          </a:schemeClr>
+        </a:solidFill>
+        <a:effectLst/>
+      </p:bgPr>
+    </p:bg>
     <p:spTree>
       <p:nvGrpSpPr>
         <p:cNvPr id="1" name=""/>
@@ -3346,7 +3358,12 @@
             <p:ph type="ctrTitle"/>
           </p:nvPr>
         </p:nvSpPr>
-        <p:spPr/>
+        <p:spPr>
+          <a:xfrm>
+            <a:off x="1524000" y="1122363"/>
+            <a:ext cx="9144000" cy="942107"/>
+          </a:xfrm>
+        </p:spPr>
         <p:txBody>
           <a:bodyPr/>
           <a:lstStyle/>
@@ -3401,6 +3418,36 @@
           </a:p>
         </p:txBody>
       </p:sp>
+      <p:pic>
+        <p:nvPicPr>
+          <p:cNvPr id="4" name="Рисунок 3">
+            <a:extLst>
+              <a:ext uri="{FF2B5EF4-FFF2-40B4-BE49-F238E27FC236}">
+                <a16:creationId xmlns:a16="http://schemas.microsoft.com/office/drawing/2014/main" id="{787D4212-F6C7-494F-8E99-8F2BDE3534BD}"/>
+              </a:ext>
+            </a:extLst>
+          </p:cNvPr>
+          <p:cNvPicPr>
+            <a:picLocks noChangeAspect="1"/>
+          </p:cNvPicPr>
+          <p:nvPr/>
+        </p:nvPicPr>
+        <p:blipFill>
+          <a:blip r:embed="rId2"/>
+          <a:stretch>
+            <a:fillRect/>
+          </a:stretch>
+        </p:blipFill>
+        <p:spPr>
+          <a:xfrm>
+            <a:off x="3285733" y="2260076"/>
+            <a:ext cx="5620534" cy="3153215"/>
+          </a:xfrm>
+          <a:prstGeom prst="rect">
+            <a:avLst/>
+          </a:prstGeom>
+        </p:spPr>
+      </p:pic>
     </p:spTree>
     <p:extLst>
       <p:ext uri="{BB962C8B-B14F-4D97-AF65-F5344CB8AC3E}">
@@ -3433,133 +3480,1057 @@
       </p:grpSpPr>
       <p:sp>
         <p:nvSpPr>
-          <p:cNvPr id="2" name="Заголовок 1">
-            <a:extLst>
-              <a:ext uri="{FF2B5EF4-FFF2-40B4-BE49-F238E27FC236}">
-                <a16:creationId xmlns:a16="http://schemas.microsoft.com/office/drawing/2014/main" id="{193C6D2E-FC12-4C8F-84DB-BB258AB2B480}"/>
-              </a:ext>
-            </a:extLst>
-          </p:cNvPr>
-          <p:cNvSpPr>
-            <a:spLocks noGrp="1"/>
-          </p:cNvSpPr>
-          <p:nvPr>
-            <p:ph type="title"/>
-          </p:nvPr>
-        </p:nvSpPr>
-        <p:spPr/>
-        <p:txBody>
-          <a:bodyPr/>
-          <a:lstStyle/>
-          <a:p>
-            <a:r>
-              <a:rPr lang="ru-RU" dirty="0"/>
-              <a:t>Номер 1</a:t>
-            </a:r>
-          </a:p>
-        </p:txBody>
-      </p:sp>
-      <p:sp>
-        <p:nvSpPr>
-          <p:cNvPr id="3" name="Объект 2">
-            <a:extLst>
-              <a:ext uri="{FF2B5EF4-FFF2-40B4-BE49-F238E27FC236}">
-                <a16:creationId xmlns:a16="http://schemas.microsoft.com/office/drawing/2014/main" id="{30A7B330-D491-4C10-91B5-F89F76DC691F}"/>
-              </a:ext>
-            </a:extLst>
-          </p:cNvPr>
-          <p:cNvSpPr>
-            <a:spLocks noGrp="1"/>
-          </p:cNvSpPr>
-          <p:nvPr>
-            <p:ph idx="1"/>
-          </p:nvPr>
-        </p:nvSpPr>
-        <p:spPr/>
-        <p:txBody>
-          <a:bodyPr/>
-          <a:lstStyle/>
-          <a:p>
-            <a:pPr marL="0" indent="0">
-              <a:buNone/>
-            </a:pPr>
-            <a:r>
-              <a:rPr lang="ru-RU" dirty="0"/>
-              <a:t>Часто падал контейнер с кликом из-за нехватки </a:t>
-            </a:r>
-            <a:r>
-              <a:rPr lang="en-US" dirty="0"/>
-              <a:t>RAM</a:t>
-            </a:r>
-            <a:endParaRPr lang="ru-RU" dirty="0"/>
-          </a:p>
-          <a:p>
-            <a:pPr marL="0" indent="0">
-              <a:buNone/>
-            </a:pPr>
-            <a:endParaRPr lang="ru-RU" dirty="0"/>
-          </a:p>
-          <a:p>
-            <a:pPr marL="0" indent="0">
-              <a:buNone/>
-            </a:pPr>
-            <a:r>
-              <a:rPr lang="ru-RU" dirty="0"/>
-              <a:t>Решение: </a:t>
-            </a:r>
-          </a:p>
-          <a:p>
-            <a:pPr marL="0" indent="0">
-              <a:buNone/>
-            </a:pPr>
-            <a:r>
-              <a:rPr lang="ru-RU" dirty="0"/>
-              <a:t>попытался увеличить </a:t>
-            </a:r>
-            <a:r>
-              <a:rPr lang="en-US" dirty="0"/>
-              <a:t>memory split – </a:t>
-            </a:r>
-            <a:r>
-              <a:rPr lang="ru-RU" dirty="0"/>
-              <a:t>не получилось,</a:t>
-            </a:r>
-          </a:p>
-          <a:p>
-            <a:pPr marL="0" indent="0">
-              <a:buNone/>
-            </a:pPr>
-            <a:r>
-              <a:rPr lang="ru-RU" dirty="0"/>
-              <a:t>просто закрыл процессы </a:t>
-            </a:r>
-            <a:r>
-              <a:rPr lang="ru-RU" dirty="0" err="1"/>
-              <a:t>кафки</a:t>
-            </a:r>
-            <a:endParaRPr lang="ru-RU" dirty="0"/>
-          </a:p>
-          <a:p>
-            <a:pPr marL="0" indent="0">
-              <a:buNone/>
-            </a:pPr>
-            <a:endParaRPr lang="ru-RU" dirty="0"/>
-          </a:p>
-          <a:p>
-            <a:pPr marL="0" indent="0">
-              <a:buNone/>
-            </a:pPr>
-            <a:r>
-              <a:rPr lang="ru-RU" dirty="0"/>
-              <a:t> </a:t>
-            </a:r>
-          </a:p>
-        </p:txBody>
-      </p:sp>
+          <p:cNvPr id="4" name="TextBox 3">
+            <a:extLst>
+              <a:ext uri="{FF2B5EF4-FFF2-40B4-BE49-F238E27FC236}">
+                <a16:creationId xmlns:a16="http://schemas.microsoft.com/office/drawing/2014/main" id="{DDAB8FA6-487F-4F13-8F53-74A31BC602E5}"/>
+              </a:ext>
+            </a:extLst>
+          </p:cNvPr>
+          <p:cNvSpPr txBox="1"/>
+          <p:nvPr/>
+        </p:nvSpPr>
+        <p:spPr>
+          <a:xfrm>
+            <a:off x="574862" y="2182432"/>
+            <a:ext cx="1772240" cy="1323439"/>
+          </a:xfrm>
+          <a:prstGeom prst="rect">
+            <a:avLst/>
+          </a:prstGeom>
+          <a:solidFill>
+            <a:srgbClr val="FFFF00"/>
+          </a:solidFill>
+          <a:ln w="28575">
+            <a:solidFill>
+              <a:srgbClr val="FF0000"/>
+            </a:solidFill>
+          </a:ln>
+        </p:spPr>
+        <p:txBody>
+          <a:bodyPr wrap="square" rtlCol="0">
+            <a:spAutoFit/>
+          </a:bodyPr>
+          <a:lstStyle/>
+          <a:p>
+            <a:r>
+              <a:rPr lang="en-US" sz="4000" dirty="0"/>
+              <a:t>S3 </a:t>
+            </a:r>
+          </a:p>
+          <a:p>
+            <a:r>
+              <a:rPr lang="en-US" sz="4000" dirty="0"/>
+              <a:t>Yandex</a:t>
+            </a:r>
+            <a:endParaRPr lang="ru-RU" sz="4000" dirty="0"/>
+          </a:p>
+        </p:txBody>
+      </p:sp>
+      <p:grpSp>
+        <p:nvGrpSpPr>
+          <p:cNvPr id="19" name="Группа 18">
+            <a:extLst>
+              <a:ext uri="{FF2B5EF4-FFF2-40B4-BE49-F238E27FC236}">
+                <a16:creationId xmlns:a16="http://schemas.microsoft.com/office/drawing/2014/main" id="{F1E0B906-497F-45B2-9008-039922D65479}"/>
+              </a:ext>
+            </a:extLst>
+          </p:cNvPr>
+          <p:cNvGrpSpPr/>
+          <p:nvPr/>
+        </p:nvGrpSpPr>
+        <p:grpSpPr>
+          <a:xfrm>
+            <a:off x="4666269" y="245097"/>
+            <a:ext cx="2196445" cy="5929460"/>
+            <a:chOff x="3535052" y="518474"/>
+            <a:chExt cx="2196445" cy="5929460"/>
+          </a:xfrm>
+        </p:grpSpPr>
+        <p:sp>
+          <p:nvSpPr>
+            <p:cNvPr id="17" name="Прямоугольник 16">
+              <a:extLst>
+                <a:ext uri="{FF2B5EF4-FFF2-40B4-BE49-F238E27FC236}">
+                  <a16:creationId xmlns:a16="http://schemas.microsoft.com/office/drawing/2014/main" id="{82EF4B15-B2E0-4763-9697-7789C6EEA131}"/>
+                </a:ext>
+              </a:extLst>
+            </p:cNvPr>
+            <p:cNvSpPr/>
+            <p:nvPr/>
+          </p:nvSpPr>
+          <p:spPr>
+            <a:xfrm>
+              <a:off x="3535052" y="518474"/>
+              <a:ext cx="2196445" cy="5929460"/>
+            </a:xfrm>
+            <a:prstGeom prst="rect">
+              <a:avLst/>
+            </a:prstGeom>
+          </p:spPr>
+          <p:style>
+            <a:lnRef idx="2">
+              <a:schemeClr val="accent1">
+                <a:shade val="50000"/>
+              </a:schemeClr>
+            </a:lnRef>
+            <a:fillRef idx="1">
+              <a:schemeClr val="accent1"/>
+            </a:fillRef>
+            <a:effectRef idx="0">
+              <a:schemeClr val="accent1"/>
+            </a:effectRef>
+            <a:fontRef idx="minor">
+              <a:schemeClr val="lt1"/>
+            </a:fontRef>
+          </p:style>
+          <p:txBody>
+            <a:bodyPr rtlCol="0" anchor="ctr"/>
+            <a:lstStyle/>
+            <a:p>
+              <a:pPr algn="ctr"/>
+              <a:endParaRPr lang="ru-RU"/>
+            </a:p>
+          </p:txBody>
+        </p:sp>
+        <p:sp>
+          <p:nvSpPr>
+            <p:cNvPr id="5" name="TextBox 4">
+              <a:extLst>
+                <a:ext uri="{FF2B5EF4-FFF2-40B4-BE49-F238E27FC236}">
+                  <a16:creationId xmlns:a16="http://schemas.microsoft.com/office/drawing/2014/main" id="{AADC8C1B-AC57-4731-ABED-55FEC409E031}"/>
+                </a:ext>
+              </a:extLst>
+            </p:cNvPr>
+            <p:cNvSpPr txBox="1"/>
+            <p:nvPr/>
+          </p:nvSpPr>
+          <p:spPr>
+            <a:xfrm>
+              <a:off x="3629321" y="5364599"/>
+              <a:ext cx="1641833" cy="461665"/>
+            </a:xfrm>
+            <a:prstGeom prst="rect">
+              <a:avLst/>
+            </a:prstGeom>
+            <a:solidFill>
+              <a:srgbClr val="92D050"/>
+            </a:solidFill>
+            <a:ln>
+              <a:solidFill>
+                <a:srgbClr val="00B050"/>
+              </a:solidFill>
+            </a:ln>
+          </p:spPr>
+          <p:txBody>
+            <a:bodyPr wrap="square" rtlCol="0">
+              <a:spAutoFit/>
+            </a:bodyPr>
+            <a:lstStyle/>
+            <a:p>
+              <a:pPr algn="ctr"/>
+              <a:r>
+                <a:rPr lang="en-US" sz="2400" dirty="0"/>
+                <a:t>RAW</a:t>
+              </a:r>
+              <a:endParaRPr lang="ru-RU" sz="2400" dirty="0"/>
+            </a:p>
+          </p:txBody>
+        </p:sp>
+        <p:sp>
+          <p:nvSpPr>
+            <p:cNvPr id="6" name="TextBox 5">
+              <a:extLst>
+                <a:ext uri="{FF2B5EF4-FFF2-40B4-BE49-F238E27FC236}">
+                  <a16:creationId xmlns:a16="http://schemas.microsoft.com/office/drawing/2014/main" id="{6810E9C1-5D92-447D-B67D-AB00A1320627}"/>
+                </a:ext>
+              </a:extLst>
+            </p:cNvPr>
+            <p:cNvSpPr txBox="1"/>
+            <p:nvPr/>
+          </p:nvSpPr>
+          <p:spPr>
+            <a:xfrm>
+              <a:off x="3619894" y="3517638"/>
+              <a:ext cx="1651261" cy="523220"/>
+            </a:xfrm>
+            <a:prstGeom prst="rect">
+              <a:avLst/>
+            </a:prstGeom>
+            <a:solidFill>
+              <a:srgbClr val="92D050"/>
+            </a:solidFill>
+            <a:ln>
+              <a:solidFill>
+                <a:srgbClr val="00B050"/>
+              </a:solidFill>
+            </a:ln>
+          </p:spPr>
+          <p:txBody>
+            <a:bodyPr wrap="square" rtlCol="0">
+              <a:spAutoFit/>
+            </a:bodyPr>
+            <a:lstStyle/>
+            <a:p>
+              <a:pPr algn="ctr"/>
+              <a:r>
+                <a:rPr lang="en-US" sz="2800" dirty="0"/>
+                <a:t>ODS</a:t>
+              </a:r>
+              <a:endParaRPr lang="ru-RU" sz="2800" dirty="0"/>
+            </a:p>
+          </p:txBody>
+        </p:sp>
+        <p:sp>
+          <p:nvSpPr>
+            <p:cNvPr id="7" name="TextBox 6">
+              <a:extLst>
+                <a:ext uri="{FF2B5EF4-FFF2-40B4-BE49-F238E27FC236}">
+                  <a16:creationId xmlns:a16="http://schemas.microsoft.com/office/drawing/2014/main" id="{5B93DB52-1F92-4F5B-9221-A0DD41177452}"/>
+                </a:ext>
+              </a:extLst>
+            </p:cNvPr>
+            <p:cNvSpPr txBox="1"/>
+            <p:nvPr/>
+          </p:nvSpPr>
+          <p:spPr>
+            <a:xfrm>
+              <a:off x="3625855" y="707004"/>
+              <a:ext cx="1651261" cy="523220"/>
+            </a:xfrm>
+            <a:prstGeom prst="rect">
+              <a:avLst/>
+            </a:prstGeom>
+            <a:solidFill>
+              <a:srgbClr val="92D050"/>
+            </a:solidFill>
+            <a:ln>
+              <a:solidFill>
+                <a:srgbClr val="00B050"/>
+              </a:solidFill>
+            </a:ln>
+          </p:spPr>
+          <p:txBody>
+            <a:bodyPr wrap="square" rtlCol="0">
+              <a:spAutoFit/>
+            </a:bodyPr>
+            <a:lstStyle/>
+            <a:p>
+              <a:pPr algn="ctr"/>
+              <a:r>
+                <a:rPr lang="en-US" sz="2800" dirty="0"/>
+                <a:t>CDM</a:t>
+              </a:r>
+              <a:endParaRPr lang="ru-RU" sz="2800" dirty="0"/>
+            </a:p>
+          </p:txBody>
+        </p:sp>
+        <p:sp>
+          <p:nvSpPr>
+            <p:cNvPr id="8" name="TextBox 7">
+              <a:extLst>
+                <a:ext uri="{FF2B5EF4-FFF2-40B4-BE49-F238E27FC236}">
+                  <a16:creationId xmlns:a16="http://schemas.microsoft.com/office/drawing/2014/main" id="{3D3C93A6-3F9C-4337-B973-B8FECD69A3FA}"/>
+                </a:ext>
+              </a:extLst>
+            </p:cNvPr>
+            <p:cNvSpPr txBox="1"/>
+            <p:nvPr/>
+          </p:nvSpPr>
+          <p:spPr>
+            <a:xfrm rot="16200000">
+              <a:off x="4400804" y="4606963"/>
+              <a:ext cx="2091179" cy="338554"/>
+            </a:xfrm>
+            <a:prstGeom prst="rect">
+              <a:avLst/>
+            </a:prstGeom>
+            <a:solidFill>
+              <a:srgbClr val="92D050"/>
+            </a:solidFill>
+            <a:ln>
+              <a:solidFill>
+                <a:srgbClr val="00B050"/>
+              </a:solidFill>
+            </a:ln>
+          </p:spPr>
+          <p:txBody>
+            <a:bodyPr wrap="square" rtlCol="0">
+              <a:spAutoFit/>
+            </a:bodyPr>
+            <a:lstStyle/>
+            <a:p>
+              <a:r>
+                <a:rPr lang="en-US" sz="1600" dirty="0"/>
+                <a:t>Materialized View</a:t>
+              </a:r>
+              <a:endParaRPr lang="ru-RU" sz="1600" dirty="0"/>
+            </a:p>
+          </p:txBody>
+        </p:sp>
+        <p:sp>
+          <p:nvSpPr>
+            <p:cNvPr id="9" name="TextBox 8">
+              <a:extLst>
+                <a:ext uri="{FF2B5EF4-FFF2-40B4-BE49-F238E27FC236}">
+                  <a16:creationId xmlns:a16="http://schemas.microsoft.com/office/drawing/2014/main" id="{B87E2759-555E-459B-8967-0079CF74078C}"/>
+                </a:ext>
+              </a:extLst>
+            </p:cNvPr>
+            <p:cNvSpPr txBox="1"/>
+            <p:nvPr/>
+          </p:nvSpPr>
+          <p:spPr>
+            <a:xfrm rot="16200000">
+              <a:off x="3934572" y="2049550"/>
+              <a:ext cx="3023645" cy="338554"/>
+            </a:xfrm>
+            <a:prstGeom prst="rect">
+              <a:avLst/>
+            </a:prstGeom>
+            <a:solidFill>
+              <a:srgbClr val="92D050"/>
+            </a:solidFill>
+            <a:ln>
+              <a:solidFill>
+                <a:srgbClr val="00B050"/>
+              </a:solidFill>
+            </a:ln>
+          </p:spPr>
+          <p:txBody>
+            <a:bodyPr wrap="square" rtlCol="0">
+              <a:spAutoFit/>
+            </a:bodyPr>
+            <a:lstStyle/>
+            <a:p>
+              <a:r>
+                <a:rPr lang="en-US" sz="1600" dirty="0"/>
+                <a:t>Refreshable Materialized View</a:t>
+              </a:r>
+              <a:endParaRPr lang="ru-RU" sz="1600" dirty="0"/>
+            </a:p>
+          </p:txBody>
+        </p:sp>
+        <p:sp>
+          <p:nvSpPr>
+            <p:cNvPr id="15" name="Стрелка: вверх 14">
+              <a:extLst>
+                <a:ext uri="{FF2B5EF4-FFF2-40B4-BE49-F238E27FC236}">
+                  <a16:creationId xmlns:a16="http://schemas.microsoft.com/office/drawing/2014/main" id="{97DCDE0A-2FEF-4B50-9555-0863FFCF811E}"/>
+                </a:ext>
+              </a:extLst>
+            </p:cNvPr>
+            <p:cNvSpPr/>
+            <p:nvPr/>
+          </p:nvSpPr>
+          <p:spPr>
+            <a:xfrm>
+              <a:off x="4458878" y="4078566"/>
+              <a:ext cx="75417" cy="1191018"/>
+            </a:xfrm>
+            <a:prstGeom prst="upArrow">
+              <a:avLst/>
+            </a:prstGeom>
+            <a:solidFill>
+              <a:srgbClr val="92D050"/>
+            </a:solidFill>
+            <a:ln>
+              <a:solidFill>
+                <a:srgbClr val="00B050"/>
+              </a:solidFill>
+            </a:ln>
+          </p:spPr>
+          <p:style>
+            <a:lnRef idx="2">
+              <a:schemeClr val="accent1">
+                <a:shade val="50000"/>
+              </a:schemeClr>
+            </a:lnRef>
+            <a:fillRef idx="1">
+              <a:schemeClr val="accent1"/>
+            </a:fillRef>
+            <a:effectRef idx="0">
+              <a:schemeClr val="accent1"/>
+            </a:effectRef>
+            <a:fontRef idx="minor">
+              <a:schemeClr val="lt1"/>
+            </a:fontRef>
+          </p:style>
+          <p:txBody>
+            <a:bodyPr rtlCol="0" anchor="ctr"/>
+            <a:lstStyle/>
+            <a:p>
+              <a:pPr algn="ctr"/>
+              <a:endParaRPr lang="ru-RU"/>
+            </a:p>
+          </p:txBody>
+        </p:sp>
+        <p:sp>
+          <p:nvSpPr>
+            <p:cNvPr id="16" name="Стрелка: вверх 15">
+              <a:extLst>
+                <a:ext uri="{FF2B5EF4-FFF2-40B4-BE49-F238E27FC236}">
+                  <a16:creationId xmlns:a16="http://schemas.microsoft.com/office/drawing/2014/main" id="{80FC84D0-C13C-4DE2-A59C-12EB38712989}"/>
+                </a:ext>
+              </a:extLst>
+            </p:cNvPr>
+            <p:cNvSpPr/>
+            <p:nvPr/>
+          </p:nvSpPr>
+          <p:spPr>
+            <a:xfrm>
+              <a:off x="4451485" y="1296958"/>
+              <a:ext cx="82810" cy="2132042"/>
+            </a:xfrm>
+            <a:prstGeom prst="upArrow">
+              <a:avLst/>
+            </a:prstGeom>
+            <a:solidFill>
+              <a:srgbClr val="92D050"/>
+            </a:solidFill>
+            <a:ln>
+              <a:solidFill>
+                <a:srgbClr val="00B050"/>
+              </a:solidFill>
+            </a:ln>
+          </p:spPr>
+          <p:style>
+            <a:lnRef idx="2">
+              <a:schemeClr val="accent1">
+                <a:shade val="50000"/>
+              </a:schemeClr>
+            </a:lnRef>
+            <a:fillRef idx="1">
+              <a:schemeClr val="accent1"/>
+            </a:fillRef>
+            <a:effectRef idx="0">
+              <a:schemeClr val="accent1"/>
+            </a:effectRef>
+            <a:fontRef idx="minor">
+              <a:schemeClr val="lt1"/>
+            </a:fontRef>
+          </p:style>
+          <p:txBody>
+            <a:bodyPr rtlCol="0" anchor="ctr"/>
+            <a:lstStyle/>
+            <a:p>
+              <a:pPr algn="ctr"/>
+              <a:endParaRPr lang="ru-RU"/>
+            </a:p>
+          </p:txBody>
+        </p:sp>
+        <p:sp>
+          <p:nvSpPr>
+            <p:cNvPr id="18" name="TextBox 17">
+              <a:extLst>
+                <a:ext uri="{FF2B5EF4-FFF2-40B4-BE49-F238E27FC236}">
+                  <a16:creationId xmlns:a16="http://schemas.microsoft.com/office/drawing/2014/main" id="{23B181EA-1851-4365-A963-528738436FAA}"/>
+                </a:ext>
+              </a:extLst>
+            </p:cNvPr>
+            <p:cNvSpPr txBox="1"/>
+            <p:nvPr/>
+          </p:nvSpPr>
+          <p:spPr>
+            <a:xfrm>
+              <a:off x="3619894" y="5945678"/>
+              <a:ext cx="1995777" cy="461665"/>
+            </a:xfrm>
+            <a:prstGeom prst="rect">
+              <a:avLst/>
+            </a:prstGeom>
+            <a:noFill/>
+          </p:spPr>
+          <p:txBody>
+            <a:bodyPr wrap="square" rtlCol="0">
+              <a:spAutoFit/>
+            </a:bodyPr>
+            <a:lstStyle/>
+            <a:p>
+              <a:r>
+                <a:rPr lang="en-US" sz="2400" dirty="0" err="1"/>
+                <a:t>Clickhouse</a:t>
+              </a:r>
+              <a:r>
+                <a:rPr lang="en-US" sz="2400" dirty="0"/>
+                <a:t> DB</a:t>
+              </a:r>
+              <a:endParaRPr lang="ru-RU" sz="2400" dirty="0"/>
+            </a:p>
+          </p:txBody>
+        </p:sp>
+      </p:grpSp>
+      <p:grpSp>
+        <p:nvGrpSpPr>
+          <p:cNvPr id="26" name="Группа 25">
+            <a:extLst>
+              <a:ext uri="{FF2B5EF4-FFF2-40B4-BE49-F238E27FC236}">
+                <a16:creationId xmlns:a16="http://schemas.microsoft.com/office/drawing/2014/main" id="{6112653A-0219-487D-9DFD-55A9C8CD7D3F}"/>
+              </a:ext>
+            </a:extLst>
+          </p:cNvPr>
+          <p:cNvGrpSpPr/>
+          <p:nvPr/>
+        </p:nvGrpSpPr>
+        <p:grpSpPr>
+          <a:xfrm>
+            <a:off x="9690755" y="1800520"/>
+            <a:ext cx="1539381" cy="2743200"/>
+            <a:chOff x="9690755" y="1800520"/>
+            <a:chExt cx="1539381" cy="2743200"/>
+          </a:xfrm>
+          <a:noFill/>
+        </p:grpSpPr>
+        <p:sp>
+          <p:nvSpPr>
+            <p:cNvPr id="25" name="Прямоугольник 24">
+              <a:extLst>
+                <a:ext uri="{FF2B5EF4-FFF2-40B4-BE49-F238E27FC236}">
+                  <a16:creationId xmlns:a16="http://schemas.microsoft.com/office/drawing/2014/main" id="{348AD466-6B85-43B0-81E5-25D189C9B97B}"/>
+                </a:ext>
+              </a:extLst>
+            </p:cNvPr>
+            <p:cNvSpPr/>
+            <p:nvPr/>
+          </p:nvSpPr>
+          <p:spPr>
+            <a:xfrm>
+              <a:off x="9690755" y="1800520"/>
+              <a:ext cx="1539381" cy="2743200"/>
+            </a:xfrm>
+            <a:prstGeom prst="rect">
+              <a:avLst/>
+            </a:prstGeom>
+            <a:grpFill/>
+            <a:ln w="38100">
+              <a:solidFill>
+                <a:srgbClr val="92D050"/>
+              </a:solidFill>
+            </a:ln>
+          </p:spPr>
+          <p:style>
+            <a:lnRef idx="2">
+              <a:schemeClr val="accent1">
+                <a:shade val="50000"/>
+              </a:schemeClr>
+            </a:lnRef>
+            <a:fillRef idx="1">
+              <a:schemeClr val="accent1"/>
+            </a:fillRef>
+            <a:effectRef idx="0">
+              <a:schemeClr val="accent1"/>
+            </a:effectRef>
+            <a:fontRef idx="minor">
+              <a:schemeClr val="lt1"/>
+            </a:fontRef>
+          </p:style>
+          <p:txBody>
+            <a:bodyPr rtlCol="0" anchor="ctr"/>
+            <a:lstStyle/>
+            <a:p>
+              <a:pPr algn="ctr"/>
+              <a:endParaRPr lang="ru-RU" dirty="0"/>
+            </a:p>
+          </p:txBody>
+        </p:sp>
+        <p:grpSp>
+          <p:nvGrpSpPr>
+            <p:cNvPr id="23" name="Группа 22">
+              <a:extLst>
+                <a:ext uri="{FF2B5EF4-FFF2-40B4-BE49-F238E27FC236}">
+                  <a16:creationId xmlns:a16="http://schemas.microsoft.com/office/drawing/2014/main" id="{CB586229-097B-4B01-9305-C859C31F56A0}"/>
+                </a:ext>
+              </a:extLst>
+            </p:cNvPr>
+            <p:cNvGrpSpPr/>
+            <p:nvPr/>
+          </p:nvGrpSpPr>
+          <p:grpSpPr>
+            <a:xfrm>
+              <a:off x="10178048" y="2002311"/>
+              <a:ext cx="552970" cy="1765170"/>
+              <a:chOff x="10112061" y="1809946"/>
+              <a:chExt cx="552970" cy="1765170"/>
+            </a:xfrm>
+            <a:grpFill/>
+          </p:grpSpPr>
+          <p:sp>
+            <p:nvSpPr>
+              <p:cNvPr id="20" name="Солнце 19">
+                <a:extLst>
+                  <a:ext uri="{FF2B5EF4-FFF2-40B4-BE49-F238E27FC236}">
+                    <a16:creationId xmlns:a16="http://schemas.microsoft.com/office/drawing/2014/main" id="{E72DBFCB-9A68-4E34-98FC-9097747796EA}"/>
+                  </a:ext>
+                </a:extLst>
+              </p:cNvPr>
+              <p:cNvSpPr/>
+              <p:nvPr/>
+            </p:nvSpPr>
+            <p:spPr>
+              <a:xfrm>
+                <a:off x="10112061" y="1809946"/>
+                <a:ext cx="455386" cy="414779"/>
+              </a:xfrm>
+              <a:prstGeom prst="sun">
+                <a:avLst/>
+              </a:prstGeom>
+              <a:grpFill/>
+              <a:ln w="19050">
+                <a:solidFill>
+                  <a:srgbClr val="FF0000"/>
+                </a:solidFill>
+              </a:ln>
+            </p:spPr>
+            <p:style>
+              <a:lnRef idx="2">
+                <a:schemeClr val="accent1">
+                  <a:shade val="50000"/>
+                </a:schemeClr>
+              </a:lnRef>
+              <a:fillRef idx="1">
+                <a:schemeClr val="accent1"/>
+              </a:fillRef>
+              <a:effectRef idx="0">
+                <a:schemeClr val="accent1"/>
+              </a:effectRef>
+              <a:fontRef idx="minor">
+                <a:schemeClr val="lt1"/>
+              </a:fontRef>
+            </p:style>
+            <p:txBody>
+              <a:bodyPr rtlCol="0" anchor="ctr"/>
+              <a:lstStyle/>
+              <a:p>
+                <a:pPr algn="ctr"/>
+                <a:endParaRPr lang="ru-RU" dirty="0"/>
+              </a:p>
+            </p:txBody>
+          </p:sp>
+          <p:sp>
+            <p:nvSpPr>
+              <p:cNvPr id="21" name="Месяц 20">
+                <a:extLst>
+                  <a:ext uri="{FF2B5EF4-FFF2-40B4-BE49-F238E27FC236}">
+                    <a16:creationId xmlns:a16="http://schemas.microsoft.com/office/drawing/2014/main" id="{7A1119D0-E3C4-402A-84B6-4633AA582CA9}"/>
+                  </a:ext>
+                </a:extLst>
+              </p:cNvPr>
+              <p:cNvSpPr/>
+              <p:nvPr/>
+            </p:nvSpPr>
+            <p:spPr>
+              <a:xfrm>
+                <a:off x="10198801" y="2488241"/>
+                <a:ext cx="281905" cy="414779"/>
+              </a:xfrm>
+              <a:prstGeom prst="moon">
+                <a:avLst>
+                  <a:gd name="adj" fmla="val 87500"/>
+                </a:avLst>
+              </a:prstGeom>
+              <a:grpFill/>
+              <a:ln w="19050">
+                <a:solidFill>
+                  <a:srgbClr val="FF0000"/>
+                </a:solidFill>
+              </a:ln>
+            </p:spPr>
+            <p:style>
+              <a:lnRef idx="2">
+                <a:schemeClr val="accent1">
+                  <a:shade val="50000"/>
+                </a:schemeClr>
+              </a:lnRef>
+              <a:fillRef idx="1">
+                <a:schemeClr val="accent1"/>
+              </a:fillRef>
+              <a:effectRef idx="0">
+                <a:schemeClr val="accent1"/>
+              </a:effectRef>
+              <a:fontRef idx="minor">
+                <a:schemeClr val="lt1"/>
+              </a:fontRef>
+            </p:style>
+            <p:txBody>
+              <a:bodyPr rtlCol="0" anchor="ctr"/>
+              <a:lstStyle/>
+              <a:p>
+                <a:pPr algn="ctr"/>
+                <a:endParaRPr lang="ru-RU"/>
+              </a:p>
+            </p:txBody>
+          </p:sp>
+          <p:sp>
+            <p:nvSpPr>
+              <p:cNvPr id="22" name="Облако 21">
+                <a:extLst>
+                  <a:ext uri="{FF2B5EF4-FFF2-40B4-BE49-F238E27FC236}">
+                    <a16:creationId xmlns:a16="http://schemas.microsoft.com/office/drawing/2014/main" id="{BFFF43B0-A178-41BA-8620-0F4868C13CBE}"/>
+                  </a:ext>
+                </a:extLst>
+              </p:cNvPr>
+              <p:cNvSpPr/>
+              <p:nvPr/>
+            </p:nvSpPr>
+            <p:spPr>
+              <a:xfrm>
+                <a:off x="10112061" y="3209827"/>
+                <a:ext cx="552970" cy="365289"/>
+              </a:xfrm>
+              <a:prstGeom prst="cloud">
+                <a:avLst/>
+              </a:prstGeom>
+              <a:grpFill/>
+              <a:ln w="19050">
+                <a:solidFill>
+                  <a:srgbClr val="FF0000"/>
+                </a:solidFill>
+              </a:ln>
+            </p:spPr>
+            <p:style>
+              <a:lnRef idx="2">
+                <a:schemeClr val="accent1">
+                  <a:shade val="50000"/>
+                </a:schemeClr>
+              </a:lnRef>
+              <a:fillRef idx="1">
+                <a:schemeClr val="accent1"/>
+              </a:fillRef>
+              <a:effectRef idx="0">
+                <a:schemeClr val="accent1"/>
+              </a:effectRef>
+              <a:fontRef idx="minor">
+                <a:schemeClr val="lt1"/>
+              </a:fontRef>
+            </p:style>
+            <p:txBody>
+              <a:bodyPr rtlCol="0" anchor="ctr"/>
+              <a:lstStyle/>
+              <a:p>
+                <a:pPr algn="ctr"/>
+                <a:endParaRPr lang="ru-RU"/>
+              </a:p>
+            </p:txBody>
+          </p:sp>
+        </p:grpSp>
+        <p:sp>
+          <p:nvSpPr>
+            <p:cNvPr id="24" name="TextBox 23">
+              <a:extLst>
+                <a:ext uri="{FF2B5EF4-FFF2-40B4-BE49-F238E27FC236}">
+                  <a16:creationId xmlns:a16="http://schemas.microsoft.com/office/drawing/2014/main" id="{AD795999-E49E-4BD8-AF5E-2933C13823AF}"/>
+                </a:ext>
+              </a:extLst>
+            </p:cNvPr>
+            <p:cNvSpPr txBox="1"/>
+            <p:nvPr/>
+          </p:nvSpPr>
+          <p:spPr>
+            <a:xfrm>
+              <a:off x="9834968" y="4013804"/>
+              <a:ext cx="1366887" cy="461665"/>
+            </a:xfrm>
+            <a:prstGeom prst="rect">
+              <a:avLst/>
+            </a:prstGeom>
+            <a:grpFill/>
+          </p:spPr>
+          <p:txBody>
+            <a:bodyPr wrap="square" rtlCol="0">
+              <a:spAutoFit/>
+            </a:bodyPr>
+            <a:lstStyle/>
+            <a:p>
+              <a:r>
+                <a:rPr lang="en-US" sz="2400" dirty="0"/>
+                <a:t>Superset</a:t>
+              </a:r>
+              <a:endParaRPr lang="ru-RU" sz="2400" dirty="0"/>
+            </a:p>
+          </p:txBody>
+        </p:sp>
+      </p:grpSp>
+      <p:grpSp>
+        <p:nvGrpSpPr>
+          <p:cNvPr id="32" name="Группа 31">
+            <a:extLst>
+              <a:ext uri="{FF2B5EF4-FFF2-40B4-BE49-F238E27FC236}">
+                <a16:creationId xmlns:a16="http://schemas.microsoft.com/office/drawing/2014/main" id="{F2A926AD-A485-4E76-80BE-1BF1FC89D363}"/>
+              </a:ext>
+            </a:extLst>
+          </p:cNvPr>
+          <p:cNvGrpSpPr/>
+          <p:nvPr/>
+        </p:nvGrpSpPr>
+        <p:grpSpPr>
+          <a:xfrm>
+            <a:off x="1385740" y="3535050"/>
+            <a:ext cx="3157979" cy="1836000"/>
+            <a:chOff x="1385740" y="3610466"/>
+            <a:chExt cx="3157979" cy="1753386"/>
+          </a:xfrm>
+        </p:grpSpPr>
+        <p:cxnSp>
+          <p:nvCxnSpPr>
+            <p:cNvPr id="29" name="Прямая соединительная линия 28">
+              <a:extLst>
+                <a:ext uri="{FF2B5EF4-FFF2-40B4-BE49-F238E27FC236}">
+                  <a16:creationId xmlns:a16="http://schemas.microsoft.com/office/drawing/2014/main" id="{D28D4ECF-3F54-4D82-B761-CA9A35BF86F0}"/>
+                </a:ext>
+              </a:extLst>
+            </p:cNvPr>
+            <p:cNvCxnSpPr/>
+            <p:nvPr/>
+          </p:nvCxnSpPr>
+          <p:spPr>
+            <a:xfrm>
+              <a:off x="1385740" y="3610466"/>
+              <a:ext cx="0" cy="1753386"/>
+            </a:xfrm>
+            <a:prstGeom prst="line">
+              <a:avLst/>
+            </a:prstGeom>
+            <a:ln w="76200">
+              <a:solidFill>
+                <a:srgbClr val="FF0000"/>
+              </a:solidFill>
+              <a:prstDash val="sysDot"/>
+            </a:ln>
+          </p:spPr>
+          <p:style>
+            <a:lnRef idx="1">
+              <a:schemeClr val="accent1"/>
+            </a:lnRef>
+            <a:fillRef idx="0">
+              <a:schemeClr val="accent1"/>
+            </a:fillRef>
+            <a:effectRef idx="0">
+              <a:schemeClr val="accent1"/>
+            </a:effectRef>
+            <a:fontRef idx="minor">
+              <a:schemeClr val="tx1"/>
+            </a:fontRef>
+          </p:style>
+        </p:cxnSp>
+        <p:cxnSp>
+          <p:nvCxnSpPr>
+            <p:cNvPr id="31" name="Прямая со стрелкой 30">
+              <a:extLst>
+                <a:ext uri="{FF2B5EF4-FFF2-40B4-BE49-F238E27FC236}">
+                  <a16:creationId xmlns:a16="http://schemas.microsoft.com/office/drawing/2014/main" id="{02F99D36-5031-460B-AE67-65039DAA9C27}"/>
+                </a:ext>
+              </a:extLst>
+            </p:cNvPr>
+            <p:cNvCxnSpPr/>
+            <p:nvPr/>
+          </p:nvCxnSpPr>
+          <p:spPr>
+            <a:xfrm>
+              <a:off x="1385740" y="5363852"/>
+              <a:ext cx="3157979" cy="0"/>
+            </a:xfrm>
+            <a:prstGeom prst="straightConnector1">
+              <a:avLst/>
+            </a:prstGeom>
+            <a:ln w="76200">
+              <a:solidFill>
+                <a:srgbClr val="FF0000"/>
+              </a:solidFill>
+              <a:prstDash val="sysDot"/>
+              <a:tailEnd type="triangle"/>
+            </a:ln>
+          </p:spPr>
+          <p:style>
+            <a:lnRef idx="1">
+              <a:schemeClr val="accent1"/>
+            </a:lnRef>
+            <a:fillRef idx="0">
+              <a:schemeClr val="accent1"/>
+            </a:fillRef>
+            <a:effectRef idx="0">
+              <a:schemeClr val="accent1"/>
+            </a:effectRef>
+            <a:fontRef idx="minor">
+              <a:schemeClr val="tx1"/>
+            </a:fontRef>
+          </p:style>
+        </p:cxnSp>
+      </p:grpSp>
+      <p:grpSp>
+        <p:nvGrpSpPr>
+          <p:cNvPr id="39" name="Группа 38">
+            <a:extLst>
+              <a:ext uri="{FF2B5EF4-FFF2-40B4-BE49-F238E27FC236}">
+                <a16:creationId xmlns:a16="http://schemas.microsoft.com/office/drawing/2014/main" id="{5A15C5A0-A68F-4656-9547-1D934119DCC9}"/>
+              </a:ext>
+            </a:extLst>
+          </p:cNvPr>
+          <p:cNvGrpSpPr/>
+          <p:nvPr/>
+        </p:nvGrpSpPr>
+        <p:grpSpPr>
+          <a:xfrm>
+            <a:off x="6975835" y="716437"/>
+            <a:ext cx="2641641" cy="2471257"/>
+            <a:chOff x="6975835" y="716437"/>
+            <a:chExt cx="2641641" cy="2471257"/>
+          </a:xfrm>
+        </p:grpSpPr>
+        <p:grpSp>
+          <p:nvGrpSpPr>
+            <p:cNvPr id="33" name="Группа 32">
+              <a:extLst>
+                <a:ext uri="{FF2B5EF4-FFF2-40B4-BE49-F238E27FC236}">
+                  <a16:creationId xmlns:a16="http://schemas.microsoft.com/office/drawing/2014/main" id="{1E2736C3-44EC-4735-ADA7-91B4E886C8DE}"/>
+                </a:ext>
+              </a:extLst>
+            </p:cNvPr>
+            <p:cNvGrpSpPr/>
+            <p:nvPr/>
+          </p:nvGrpSpPr>
+          <p:grpSpPr>
+            <a:xfrm>
+              <a:off x="8323868" y="716437"/>
+              <a:ext cx="1293608" cy="2471257"/>
+              <a:chOff x="1385740" y="3610466"/>
+              <a:chExt cx="3157979" cy="1753386"/>
+            </a:xfrm>
+          </p:grpSpPr>
+          <p:cxnSp>
+            <p:nvCxnSpPr>
+              <p:cNvPr id="34" name="Прямая соединительная линия 33">
+                <a:extLst>
+                  <a:ext uri="{FF2B5EF4-FFF2-40B4-BE49-F238E27FC236}">
+                    <a16:creationId xmlns:a16="http://schemas.microsoft.com/office/drawing/2014/main" id="{72AB3CC2-EDD5-4AF2-9DA2-CF69B65C2184}"/>
+                  </a:ext>
+                </a:extLst>
+              </p:cNvPr>
+              <p:cNvCxnSpPr/>
+              <p:nvPr/>
+            </p:nvCxnSpPr>
+            <p:spPr>
+              <a:xfrm>
+                <a:off x="1385740" y="3610466"/>
+                <a:ext cx="0" cy="1753386"/>
+              </a:xfrm>
+              <a:prstGeom prst="line">
+                <a:avLst/>
+              </a:prstGeom>
+              <a:ln w="76200">
+                <a:solidFill>
+                  <a:srgbClr val="0070C0"/>
+                </a:solidFill>
+                <a:prstDash val="sysDot"/>
+              </a:ln>
+            </p:spPr>
+            <p:style>
+              <a:lnRef idx="1">
+                <a:schemeClr val="accent1"/>
+              </a:lnRef>
+              <a:fillRef idx="0">
+                <a:schemeClr val="accent1"/>
+              </a:fillRef>
+              <a:effectRef idx="0">
+                <a:schemeClr val="accent1"/>
+              </a:effectRef>
+              <a:fontRef idx="minor">
+                <a:schemeClr val="tx1"/>
+              </a:fontRef>
+            </p:style>
+          </p:cxnSp>
+          <p:cxnSp>
+            <p:nvCxnSpPr>
+              <p:cNvPr id="35" name="Прямая со стрелкой 34">
+                <a:extLst>
+                  <a:ext uri="{FF2B5EF4-FFF2-40B4-BE49-F238E27FC236}">
+                    <a16:creationId xmlns:a16="http://schemas.microsoft.com/office/drawing/2014/main" id="{C507634B-5551-4A87-8AFA-F2DC2BFF32EE}"/>
+                  </a:ext>
+                </a:extLst>
+              </p:cNvPr>
+              <p:cNvCxnSpPr/>
+              <p:nvPr/>
+            </p:nvCxnSpPr>
+            <p:spPr>
+              <a:xfrm>
+                <a:off x="1385740" y="5363852"/>
+                <a:ext cx="3157979" cy="0"/>
+              </a:xfrm>
+              <a:prstGeom prst="straightConnector1">
+                <a:avLst/>
+              </a:prstGeom>
+              <a:ln w="76200">
+                <a:solidFill>
+                  <a:srgbClr val="0070C0"/>
+                </a:solidFill>
+                <a:prstDash val="sysDot"/>
+                <a:tailEnd type="triangle"/>
+              </a:ln>
+            </p:spPr>
+            <p:style>
+              <a:lnRef idx="1">
+                <a:schemeClr val="accent1"/>
+              </a:lnRef>
+              <a:fillRef idx="0">
+                <a:schemeClr val="accent1"/>
+              </a:fillRef>
+              <a:effectRef idx="0">
+                <a:schemeClr val="accent1"/>
+              </a:effectRef>
+              <a:fontRef idx="minor">
+                <a:schemeClr val="tx1"/>
+              </a:fontRef>
+            </p:style>
+          </p:cxnSp>
+        </p:grpSp>
+        <p:cxnSp>
+          <p:nvCxnSpPr>
+            <p:cNvPr id="36" name="Прямая соединительная линия 35">
+              <a:extLst>
+                <a:ext uri="{FF2B5EF4-FFF2-40B4-BE49-F238E27FC236}">
+                  <a16:creationId xmlns:a16="http://schemas.microsoft.com/office/drawing/2014/main" id="{9AB2B054-F381-4EFC-A062-7DCACFE8D5CE}"/>
+                </a:ext>
+              </a:extLst>
+            </p:cNvPr>
+            <p:cNvCxnSpPr>
+              <a:cxnSpLocks/>
+            </p:cNvCxnSpPr>
+            <p:nvPr/>
+          </p:nvCxnSpPr>
+          <p:spPr>
+            <a:xfrm>
+              <a:off x="6975835" y="755716"/>
+              <a:ext cx="1348033" cy="0"/>
+            </a:xfrm>
+            <a:prstGeom prst="line">
+              <a:avLst/>
+            </a:prstGeom>
+            <a:ln w="76200">
+              <a:solidFill>
+                <a:srgbClr val="0070C0"/>
+              </a:solidFill>
+              <a:prstDash val="sysDot"/>
+            </a:ln>
+          </p:spPr>
+          <p:style>
+            <a:lnRef idx="1">
+              <a:schemeClr val="accent1"/>
+            </a:lnRef>
+            <a:fillRef idx="0">
+              <a:schemeClr val="accent1"/>
+            </a:fillRef>
+            <a:effectRef idx="0">
+              <a:schemeClr val="accent1"/>
+            </a:effectRef>
+            <a:fontRef idx="minor">
+              <a:schemeClr val="tx1"/>
+            </a:fontRef>
+          </p:style>
+        </p:cxnSp>
+      </p:grpSp>
     </p:spTree>
     <p:extLst>
       <p:ext uri="{BB962C8B-B14F-4D97-AF65-F5344CB8AC3E}">
-        <p14:creationId xmlns:p14="http://schemas.microsoft.com/office/powerpoint/2010/main" val="4033953919"/>
+        <p14:creationId xmlns:p14="http://schemas.microsoft.com/office/powerpoint/2010/main" val="4125100068"/>
       </p:ext>
     </p:extLst>
   </p:cSld>
@@ -3609,7 +4580,7 @@
           <a:p>
             <a:r>
               <a:rPr lang="ru-RU" dirty="0"/>
-              <a:t>Номер 2</a:t>
+              <a:t>Номер 1</a:t>
             </a:r>
           </a:p>
         </p:txBody>
@@ -3640,11 +4611,11 @@
             </a:pPr>
             <a:r>
               <a:rPr lang="ru-RU" dirty="0"/>
-              <a:t>Хотел сделать что-то типа снежинки в </a:t>
+              <a:t>Часто падал контейнер с кликом из-за нехватки </a:t>
             </a:r>
             <a:r>
               <a:rPr lang="en-US" dirty="0"/>
-              <a:t>DDS</a:t>
+              <a:t>RAM</a:t>
             </a:r>
             <a:endParaRPr lang="ru-RU" dirty="0"/>
           </a:p>
@@ -3662,7 +4633,6 @@
               <a:rPr lang="ru-RU" dirty="0"/>
               <a:t>Решение: </a:t>
             </a:r>
-            <a:endParaRPr lang="en-US" dirty="0"/>
           </a:p>
           <a:p>
             <a:pPr marL="0" indent="0">
@@ -3670,11 +4640,28 @@
             </a:pPr>
             <a:r>
               <a:rPr lang="ru-RU" dirty="0"/>
-              <a:t>не сделал, т.к. вспомнил, что это вообще </a:t>
+              <a:t>попытался увеличить </a:t>
+            </a:r>
+            <a:r>
+              <a:rPr lang="en-US" dirty="0"/>
+              <a:t>memory split – </a:t>
+            </a:r>
+            <a:r>
+              <a:rPr lang="ru-RU" dirty="0"/>
+              <a:t>не получилось,</a:t>
+            </a:r>
+          </a:p>
+          <a:p>
+            <a:pPr marL="0" indent="0">
+              <a:buNone/>
+            </a:pPr>
+            <a:r>
+              <a:rPr lang="ru-RU" dirty="0"/>
+              <a:t>просто закрыл процессы </a:t>
             </a:r>
             <a:r>
               <a:rPr lang="ru-RU" dirty="0" err="1"/>
-              <a:t>кликхаус</a:t>
+              <a:t>кафки</a:t>
             </a:r>
             <a:endParaRPr lang="ru-RU" dirty="0"/>
           </a:p>
@@ -3698,7 +4685,7 @@
     </p:spTree>
     <p:extLst>
       <p:ext uri="{BB962C8B-B14F-4D97-AF65-F5344CB8AC3E}">
-        <p14:creationId xmlns:p14="http://schemas.microsoft.com/office/powerpoint/2010/main" val="2937707519"/>
+        <p14:creationId xmlns:p14="http://schemas.microsoft.com/office/powerpoint/2010/main" val="4033953919"/>
       </p:ext>
     </p:extLst>
   </p:cSld>
@@ -3748,6 +4735,145 @@
           <a:p>
             <a:r>
               <a:rPr lang="ru-RU" dirty="0"/>
+              <a:t>Номер 2</a:t>
+            </a:r>
+          </a:p>
+        </p:txBody>
+      </p:sp>
+      <p:sp>
+        <p:nvSpPr>
+          <p:cNvPr id="3" name="Объект 2">
+            <a:extLst>
+              <a:ext uri="{FF2B5EF4-FFF2-40B4-BE49-F238E27FC236}">
+                <a16:creationId xmlns:a16="http://schemas.microsoft.com/office/drawing/2014/main" id="{30A7B330-D491-4C10-91B5-F89F76DC691F}"/>
+              </a:ext>
+            </a:extLst>
+          </p:cNvPr>
+          <p:cNvSpPr>
+            <a:spLocks noGrp="1"/>
+          </p:cNvSpPr>
+          <p:nvPr>
+            <p:ph idx="1"/>
+          </p:nvPr>
+        </p:nvSpPr>
+        <p:spPr/>
+        <p:txBody>
+          <a:bodyPr/>
+          <a:lstStyle/>
+          <a:p>
+            <a:pPr marL="0" indent="0">
+              <a:buNone/>
+            </a:pPr>
+            <a:r>
+              <a:rPr lang="ru-RU" dirty="0"/>
+              <a:t>Хотел сделать что-то типа снежинки в </a:t>
+            </a:r>
+            <a:r>
+              <a:rPr lang="en-US" dirty="0"/>
+              <a:t>DDS</a:t>
+            </a:r>
+            <a:endParaRPr lang="ru-RU" dirty="0"/>
+          </a:p>
+          <a:p>
+            <a:pPr marL="0" indent="0">
+              <a:buNone/>
+            </a:pPr>
+            <a:endParaRPr lang="ru-RU" dirty="0"/>
+          </a:p>
+          <a:p>
+            <a:pPr marL="0" indent="0">
+              <a:buNone/>
+            </a:pPr>
+            <a:r>
+              <a:rPr lang="ru-RU" dirty="0"/>
+              <a:t>Решение: </a:t>
+            </a:r>
+            <a:endParaRPr lang="en-US" dirty="0"/>
+          </a:p>
+          <a:p>
+            <a:pPr marL="0" indent="0">
+              <a:buNone/>
+            </a:pPr>
+            <a:r>
+              <a:rPr lang="ru-RU" dirty="0"/>
+              <a:t>не сделал, т.к. вспомнил, что это вообще </a:t>
+            </a:r>
+            <a:r>
+              <a:rPr lang="ru-RU" dirty="0" err="1"/>
+              <a:t>кликхаус</a:t>
+            </a:r>
+            <a:endParaRPr lang="ru-RU" dirty="0"/>
+          </a:p>
+          <a:p>
+            <a:pPr marL="0" indent="0">
+              <a:buNone/>
+            </a:pPr>
+            <a:endParaRPr lang="ru-RU" dirty="0"/>
+          </a:p>
+          <a:p>
+            <a:pPr marL="0" indent="0">
+              <a:buNone/>
+            </a:pPr>
+            <a:r>
+              <a:rPr lang="ru-RU" dirty="0"/>
+              <a:t> </a:t>
+            </a:r>
+          </a:p>
+        </p:txBody>
+      </p:sp>
+    </p:spTree>
+    <p:extLst>
+      <p:ext uri="{BB962C8B-B14F-4D97-AF65-F5344CB8AC3E}">
+        <p14:creationId xmlns:p14="http://schemas.microsoft.com/office/powerpoint/2010/main" val="2937707519"/>
+      </p:ext>
+    </p:extLst>
+  </p:cSld>
+  <p:clrMapOvr>
+    <a:masterClrMapping/>
+  </p:clrMapOvr>
+</p:sld>
+</file>
+
+<file path=ppt/slides/slide5.xml><?xml version="1.0" encoding="utf-8"?>
+<p:sld xmlns:a="http://schemas.openxmlformats.org/drawingml/2006/main" xmlns:r="http://schemas.openxmlformats.org/officeDocument/2006/relationships" xmlns:p="http://schemas.openxmlformats.org/presentationml/2006/main">
+  <p:cSld>
+    <p:spTree>
+      <p:nvGrpSpPr>
+        <p:cNvPr id="1" name=""/>
+        <p:cNvGrpSpPr/>
+        <p:nvPr/>
+      </p:nvGrpSpPr>
+      <p:grpSpPr>
+        <a:xfrm>
+          <a:off x="0" y="0"/>
+          <a:ext cx="0" cy="0"/>
+          <a:chOff x="0" y="0"/>
+          <a:chExt cx="0" cy="0"/>
+        </a:xfrm>
+      </p:grpSpPr>
+      <p:sp>
+        <p:nvSpPr>
+          <p:cNvPr id="2" name="Заголовок 1">
+            <a:extLst>
+              <a:ext uri="{FF2B5EF4-FFF2-40B4-BE49-F238E27FC236}">
+                <a16:creationId xmlns:a16="http://schemas.microsoft.com/office/drawing/2014/main" id="{193C6D2E-FC12-4C8F-84DB-BB258AB2B480}"/>
+              </a:ext>
+            </a:extLst>
+          </p:cNvPr>
+          <p:cNvSpPr>
+            <a:spLocks noGrp="1"/>
+          </p:cNvSpPr>
+          <p:nvPr>
+            <p:ph type="title"/>
+          </p:nvPr>
+        </p:nvSpPr>
+        <p:spPr/>
+        <p:txBody>
+          <a:bodyPr/>
+          <a:lstStyle/>
+          <a:p>
+            <a:r>
+              <a:rPr lang="ru-RU" dirty="0"/>
               <a:t>Номер 3</a:t>
             </a:r>
           </a:p>
@@ -3884,7 +5010,7 @@
 </p:sld>
 </file>
 
-<file path=ppt/slides/slide5.xml><?xml version="1.0" encoding="utf-8"?>
+<file path=ppt/slides/slide6.xml><?xml version="1.0" encoding="utf-8"?>
 <p:sld xmlns:a="http://schemas.openxmlformats.org/drawingml/2006/main" xmlns:r="http://schemas.openxmlformats.org/officeDocument/2006/relationships" xmlns:p="http://schemas.openxmlformats.org/presentationml/2006/main">
   <p:cSld>
     <p:spTree>

--- a/Мои_факапс_юрлов.pptx
+++ b/Мои_факапс_юрлов.pptx
@@ -11,6 +11,7 @@
     <p:sldId id="258" r:id="rId5"/>
     <p:sldId id="259" r:id="rId6"/>
     <p:sldId id="260" r:id="rId7"/>
+    <p:sldId id="262" r:id="rId8"/>
   </p:sldIdLst>
   <p:sldSz cx="12192000" cy="6858000"/>
   <p:notesSz cx="6858000" cy="9144000"/>
@@ -264,7 +265,7 @@
           <a:p>
             <a:fld id="{C5F46373-3E96-4B63-9429-E61DCA264C71}" type="datetimeFigureOut">
               <a:rPr lang="ru-RU" smtClean="0"/>
-              <a:t>29.04.2025</a:t>
+              <a:t>30.04.2025</a:t>
             </a:fld>
             <a:endParaRPr lang="ru-RU"/>
           </a:p>
@@ -462,7 +463,7 @@
           <a:p>
             <a:fld id="{C5F46373-3E96-4B63-9429-E61DCA264C71}" type="datetimeFigureOut">
               <a:rPr lang="ru-RU" smtClean="0"/>
-              <a:t>29.04.2025</a:t>
+              <a:t>30.04.2025</a:t>
             </a:fld>
             <a:endParaRPr lang="ru-RU"/>
           </a:p>
@@ -670,7 +671,7 @@
           <a:p>
             <a:fld id="{C5F46373-3E96-4B63-9429-E61DCA264C71}" type="datetimeFigureOut">
               <a:rPr lang="ru-RU" smtClean="0"/>
-              <a:t>29.04.2025</a:t>
+              <a:t>30.04.2025</a:t>
             </a:fld>
             <a:endParaRPr lang="ru-RU"/>
           </a:p>
@@ -868,7 +869,7 @@
           <a:p>
             <a:fld id="{C5F46373-3E96-4B63-9429-E61DCA264C71}" type="datetimeFigureOut">
               <a:rPr lang="ru-RU" smtClean="0"/>
-              <a:t>29.04.2025</a:t>
+              <a:t>30.04.2025</a:t>
             </a:fld>
             <a:endParaRPr lang="ru-RU"/>
           </a:p>
@@ -1143,7 +1144,7 @@
           <a:p>
             <a:fld id="{C5F46373-3E96-4B63-9429-E61DCA264C71}" type="datetimeFigureOut">
               <a:rPr lang="ru-RU" smtClean="0"/>
-              <a:t>29.04.2025</a:t>
+              <a:t>30.04.2025</a:t>
             </a:fld>
             <a:endParaRPr lang="ru-RU"/>
           </a:p>
@@ -1408,7 +1409,7 @@
           <a:p>
             <a:fld id="{C5F46373-3E96-4B63-9429-E61DCA264C71}" type="datetimeFigureOut">
               <a:rPr lang="ru-RU" smtClean="0"/>
-              <a:t>29.04.2025</a:t>
+              <a:t>30.04.2025</a:t>
             </a:fld>
             <a:endParaRPr lang="ru-RU"/>
           </a:p>
@@ -1820,7 +1821,7 @@
           <a:p>
             <a:fld id="{C5F46373-3E96-4B63-9429-E61DCA264C71}" type="datetimeFigureOut">
               <a:rPr lang="ru-RU" smtClean="0"/>
-              <a:t>29.04.2025</a:t>
+              <a:t>30.04.2025</a:t>
             </a:fld>
             <a:endParaRPr lang="ru-RU"/>
           </a:p>
@@ -1961,7 +1962,7 @@
           <a:p>
             <a:fld id="{C5F46373-3E96-4B63-9429-E61DCA264C71}" type="datetimeFigureOut">
               <a:rPr lang="ru-RU" smtClean="0"/>
-              <a:t>29.04.2025</a:t>
+              <a:t>30.04.2025</a:t>
             </a:fld>
             <a:endParaRPr lang="ru-RU"/>
           </a:p>
@@ -2074,7 +2075,7 @@
           <a:p>
             <a:fld id="{C5F46373-3E96-4B63-9429-E61DCA264C71}" type="datetimeFigureOut">
               <a:rPr lang="ru-RU" smtClean="0"/>
-              <a:t>29.04.2025</a:t>
+              <a:t>30.04.2025</a:t>
             </a:fld>
             <a:endParaRPr lang="ru-RU"/>
           </a:p>
@@ -2385,7 +2386,7 @@
           <a:p>
             <a:fld id="{C5F46373-3E96-4B63-9429-E61DCA264C71}" type="datetimeFigureOut">
               <a:rPr lang="ru-RU" smtClean="0"/>
-              <a:t>29.04.2025</a:t>
+              <a:t>30.04.2025</a:t>
             </a:fld>
             <a:endParaRPr lang="ru-RU"/>
           </a:p>
@@ -2673,7 +2674,7 @@
           <a:p>
             <a:fld id="{C5F46373-3E96-4B63-9429-E61DCA264C71}" type="datetimeFigureOut">
               <a:rPr lang="ru-RU" smtClean="0"/>
-              <a:t>29.04.2025</a:t>
+              <a:t>30.04.2025</a:t>
             </a:fld>
             <a:endParaRPr lang="ru-RU"/>
           </a:p>
@@ -2914,7 +2915,7 @@
           <a:p>
             <a:fld id="{C5F46373-3E96-4B63-9429-E61DCA264C71}" type="datetimeFigureOut">
               <a:rPr lang="ru-RU" smtClean="0"/>
-              <a:t>29.04.2025</a:t>
+              <a:t>30.04.2025</a:t>
             </a:fld>
             <a:endParaRPr lang="ru-RU"/>
           </a:p>
@@ -3360,7 +3361,7 @@
         </p:nvSpPr>
         <p:spPr>
           <a:xfrm>
-            <a:off x="1524000" y="1122363"/>
+            <a:off x="1524000" y="1623767"/>
             <a:ext cx="9144000" cy="942107"/>
           </a:xfrm>
         </p:spPr>
@@ -3418,36 +3419,6 @@
           </a:p>
         </p:txBody>
       </p:sp>
-      <p:pic>
-        <p:nvPicPr>
-          <p:cNvPr id="4" name="Рисунок 3">
-            <a:extLst>
-              <a:ext uri="{FF2B5EF4-FFF2-40B4-BE49-F238E27FC236}">
-                <a16:creationId xmlns:a16="http://schemas.microsoft.com/office/drawing/2014/main" id="{787D4212-F6C7-494F-8E99-8F2BDE3534BD}"/>
-              </a:ext>
-            </a:extLst>
-          </p:cNvPr>
-          <p:cNvPicPr>
-            <a:picLocks noChangeAspect="1"/>
-          </p:cNvPicPr>
-          <p:nvPr/>
-        </p:nvPicPr>
-        <p:blipFill>
-          <a:blip r:embed="rId2"/>
-          <a:stretch>
-            <a:fillRect/>
-          </a:stretch>
-        </p:blipFill>
-        <p:spPr>
-          <a:xfrm>
-            <a:off x="3285733" y="2260076"/>
-            <a:ext cx="5620534" cy="3153215"/>
-          </a:xfrm>
-          <a:prstGeom prst="rect">
-            <a:avLst/>
-          </a:prstGeom>
-        </p:spPr>
-      </p:pic>
     </p:spTree>
     <p:extLst>
       <p:ext uri="{BB962C8B-B14F-4D97-AF65-F5344CB8AC3E}">
@@ -3492,7 +3463,7 @@
         </p:nvSpPr>
         <p:spPr>
           <a:xfrm>
-            <a:off x="574862" y="2182432"/>
+            <a:off x="574862" y="2484094"/>
             <a:ext cx="1772240" cy="1323439"/>
           </a:xfrm>
           <a:prstGeom prst="rect">
@@ -3541,7 +3512,7 @@
         </p:nvGrpSpPr>
         <p:grpSpPr>
           <a:xfrm>
-            <a:off x="4666269" y="245097"/>
+            <a:off x="4666269" y="546759"/>
             <a:ext cx="2196445" cy="5929460"/>
             <a:chOff x="3535052" y="518474"/>
             <a:chExt cx="2196445" cy="5929460"/>
@@ -3974,7 +3945,7 @@
         </p:nvGrpSpPr>
         <p:grpSpPr>
           <a:xfrm>
-            <a:off x="9690755" y="1800520"/>
+            <a:off x="9690755" y="2102182"/>
             <a:ext cx="1539381" cy="2743200"/>
             <a:chOff x="9690755" y="1800520"/>
             <a:chExt cx="1539381" cy="2743200"/>
@@ -4264,7 +4235,7 @@
         </p:nvGrpSpPr>
         <p:grpSpPr>
           <a:xfrm>
-            <a:off x="1385740" y="3535050"/>
+            <a:off x="1385740" y="3836712"/>
             <a:ext cx="3157979" cy="1836000"/>
             <a:chOff x="1385740" y="3610466"/>
             <a:chExt cx="3157979" cy="1753386"/>
@@ -4370,7 +4341,7 @@
         </p:nvGrpSpPr>
         <p:grpSpPr>
           <a:xfrm>
-            <a:off x="6975835" y="716437"/>
+            <a:off x="6975835" y="1018099"/>
             <a:ext cx="2641641" cy="2471257"/>
             <a:chOff x="6975835" y="716437"/>
             <a:chExt cx="2641641" cy="2471257"/>
@@ -4527,6 +4498,44 @@
           </p:style>
         </p:cxnSp>
       </p:grpSp>
+      <p:sp>
+        <p:nvSpPr>
+          <p:cNvPr id="3" name="Прямоугольник 2">
+            <a:extLst>
+              <a:ext uri="{FF2B5EF4-FFF2-40B4-BE49-F238E27FC236}">
+                <a16:creationId xmlns:a16="http://schemas.microsoft.com/office/drawing/2014/main" id="{6E0EC576-FF6E-492B-A967-8BC0E606F7DE}"/>
+              </a:ext>
+            </a:extLst>
+          </p:cNvPr>
+          <p:cNvSpPr/>
+          <p:nvPr/>
+        </p:nvSpPr>
+        <p:spPr>
+          <a:xfrm>
+            <a:off x="734486" y="365956"/>
+            <a:ext cx="3300186" cy="1077218"/>
+          </a:xfrm>
+          <a:prstGeom prst="rect">
+            <a:avLst/>
+          </a:prstGeom>
+        </p:spPr>
+        <p:txBody>
+          <a:bodyPr wrap="square">
+            <a:spAutoFit/>
+          </a:bodyPr>
+          <a:lstStyle/>
+          <a:p>
+            <a:r>
+              <a:rPr lang="en-US" sz="3200" dirty="0"/>
+              <a:t>ETL </a:t>
+            </a:r>
+            <a:r>
+              <a:rPr lang="ru-RU" sz="3200" dirty="0"/>
+              <a:t>для данных из магазина</a:t>
+            </a:r>
+          </a:p>
+        </p:txBody>
+      </p:sp>
     </p:spTree>
     <p:extLst>
       <p:ext uri="{BB962C8B-B14F-4D97-AF65-F5344CB8AC3E}">
@@ -4635,9 +4644,6 @@
             </a:r>
           </a:p>
           <a:p>
-            <a:pPr marL="0" indent="0">
-              <a:buNone/>
-            </a:pPr>
             <a:r>
               <a:rPr lang="ru-RU" dirty="0"/>
               <a:t>попытался увеличить </a:t>
@@ -4652,9 +4658,6 @@
             </a:r>
           </a:p>
           <a:p>
-            <a:pPr marL="0" indent="0">
-              <a:buNone/>
-            </a:pPr>
             <a:r>
               <a:rPr lang="ru-RU" dirty="0"/>
               <a:t>просто закрыл процессы </a:t>
@@ -4791,9 +4794,6 @@
             <a:endParaRPr lang="en-US" dirty="0"/>
           </a:p>
           <a:p>
-            <a:pPr marL="0" indent="0">
-              <a:buNone/>
-            </a:pPr>
             <a:r>
               <a:rPr lang="ru-RU" dirty="0"/>
               <a:t>не сделал, т.к. вспомнил, что это вообще </a:t>
@@ -4938,9 +4938,6 @@
             <a:endParaRPr lang="en-US" dirty="0"/>
           </a:p>
           <a:p>
-            <a:pPr marL="0" indent="0">
-              <a:buNone/>
-            </a:pPr>
             <a:r>
               <a:rPr lang="ru-RU" dirty="0"/>
               <a:t>не сделал, т.к. </a:t>
@@ -4967,18 +4964,10 @@
             </a:r>
           </a:p>
           <a:p>
-            <a:pPr marL="0" indent="0">
-              <a:buNone/>
-            </a:pPr>
             <a:r>
               <a:rPr lang="ru-RU" dirty="0"/>
-              <a:t>но идея хорошая – можно </a:t>
-            </a:r>
-            <a:r>
-              <a:rPr lang="ru-RU"/>
-              <a:t>ещё попробовать</a:t>
-            </a:r>
-            <a:endParaRPr lang="ru-RU" dirty="0"/>
+              <a:t>но идея хорошая – можно ещё попробовать</a:t>
+            </a:r>
           </a:p>
           <a:p>
             <a:pPr marL="0" indent="0">
@@ -5089,13 +5078,8 @@
             </a:r>
             <a:r>
               <a:rPr lang="ru-RU" dirty="0"/>
-              <a:t>повесить точное расписание на субботу в </a:t>
-            </a:r>
-            <a:r>
-              <a:rPr lang="ru-RU"/>
-              <a:t>7 утра</a:t>
-            </a:r>
-            <a:endParaRPr lang="ru-RU" dirty="0"/>
+              <a:t>повесить точное расписание на субботу в 7 утра</a:t>
+            </a:r>
           </a:p>
           <a:p>
             <a:pPr marL="0" indent="0">
@@ -5114,9 +5098,6 @@
             <a:endParaRPr lang="en-US" dirty="0"/>
           </a:p>
           <a:p>
-            <a:pPr marL="0" indent="0">
-              <a:buNone/>
-            </a:pPr>
             <a:r>
               <a:rPr lang="ru-RU" dirty="0"/>
               <a:t>не сделал, т.к. оказывается </a:t>
@@ -5151,6 +5132,287 @@
     <p:extLst>
       <p:ext uri="{BB962C8B-B14F-4D97-AF65-F5344CB8AC3E}">
         <p14:creationId xmlns:p14="http://schemas.microsoft.com/office/powerpoint/2010/main" val="2233427215"/>
+      </p:ext>
+    </p:extLst>
+  </p:cSld>
+  <p:clrMapOvr>
+    <a:masterClrMapping/>
+  </p:clrMapOvr>
+</p:sld>
+</file>
+
+<file path=ppt/slides/slide7.xml><?xml version="1.0" encoding="utf-8"?>
+<p:sld xmlns:a="http://schemas.openxmlformats.org/drawingml/2006/main" xmlns:r="http://schemas.openxmlformats.org/officeDocument/2006/relationships" xmlns:p="http://schemas.openxmlformats.org/presentationml/2006/main">
+  <p:cSld>
+    <p:spTree>
+      <p:nvGrpSpPr>
+        <p:cNvPr id="1" name=""/>
+        <p:cNvGrpSpPr/>
+        <p:nvPr/>
+      </p:nvGrpSpPr>
+      <p:grpSpPr>
+        <a:xfrm>
+          <a:off x="0" y="0"/>
+          <a:ext cx="0" cy="0"/>
+          <a:chOff x="0" y="0"/>
+          <a:chExt cx="0" cy="0"/>
+        </a:xfrm>
+      </p:grpSpPr>
+      <p:sp>
+        <p:nvSpPr>
+          <p:cNvPr id="2" name="Заголовок 1">
+            <a:extLst>
+              <a:ext uri="{FF2B5EF4-FFF2-40B4-BE49-F238E27FC236}">
+                <a16:creationId xmlns:a16="http://schemas.microsoft.com/office/drawing/2014/main" id="{193C6D2E-FC12-4C8F-84DB-BB258AB2B480}"/>
+              </a:ext>
+            </a:extLst>
+          </p:cNvPr>
+          <p:cNvSpPr>
+            <a:spLocks noGrp="1"/>
+          </p:cNvSpPr>
+          <p:nvPr>
+            <p:ph type="title"/>
+          </p:nvPr>
+        </p:nvSpPr>
+        <p:spPr/>
+        <p:txBody>
+          <a:bodyPr/>
+          <a:lstStyle/>
+          <a:p>
+            <a:r>
+              <a:rPr lang="ru-RU" dirty="0"/>
+              <a:t>Номер </a:t>
+            </a:r>
+            <a:r>
+              <a:rPr lang="en-US" dirty="0"/>
+              <a:t>5</a:t>
+            </a:r>
+            <a:endParaRPr lang="ru-RU" dirty="0"/>
+          </a:p>
+        </p:txBody>
+      </p:sp>
+      <p:sp>
+        <p:nvSpPr>
+          <p:cNvPr id="3" name="Объект 2">
+            <a:extLst>
+              <a:ext uri="{FF2B5EF4-FFF2-40B4-BE49-F238E27FC236}">
+                <a16:creationId xmlns:a16="http://schemas.microsoft.com/office/drawing/2014/main" id="{30A7B330-D491-4C10-91B5-F89F76DC691F}"/>
+              </a:ext>
+            </a:extLst>
+          </p:cNvPr>
+          <p:cNvSpPr>
+            <a:spLocks noGrp="1"/>
+          </p:cNvSpPr>
+          <p:nvPr>
+            <p:ph idx="1"/>
+          </p:nvPr>
+        </p:nvSpPr>
+        <p:spPr/>
+        <p:txBody>
+          <a:bodyPr>
+            <a:normAutofit fontScale="92500" lnSpcReduction="10000"/>
+          </a:bodyPr>
+          <a:lstStyle/>
+          <a:p>
+            <a:pPr marL="0" indent="0">
+              <a:buNone/>
+            </a:pPr>
+            <a:r>
+              <a:rPr lang="ru-RU" dirty="0"/>
+              <a:t>Контейнер с </a:t>
+            </a:r>
+            <a:r>
+              <a:rPr lang="ru-RU" dirty="0" err="1"/>
+              <a:t>кликхаус</a:t>
+            </a:r>
+            <a:r>
+              <a:rPr lang="ru-RU" dirty="0"/>
+              <a:t> падает при запуске обновления </a:t>
+            </a:r>
+            <a:r>
+              <a:rPr lang="ru-RU" dirty="0" err="1"/>
+              <a:t>вьюх</a:t>
+            </a:r>
+            <a:r>
+              <a:rPr lang="ru-RU" dirty="0"/>
+              <a:t> </a:t>
+            </a:r>
+          </a:p>
+          <a:p>
+            <a:pPr marL="0" indent="0">
+              <a:buNone/>
+            </a:pPr>
+            <a:r>
+              <a:rPr lang="en-US" dirty="0"/>
+              <a:t>SYSTEM REFRESH </a:t>
+            </a:r>
+            <a:r>
+              <a:rPr lang="en-US" b="1" dirty="0"/>
+              <a:t>VIEW</a:t>
+            </a:r>
+            <a:r>
+              <a:rPr lang="en-US" dirty="0"/>
+              <a:t> cdm.mv_rep1_events_per_hour;</a:t>
+            </a:r>
+            <a:endParaRPr lang="ru-RU" dirty="0"/>
+          </a:p>
+          <a:p>
+            <a:pPr marL="0" indent="0">
+              <a:buNone/>
+            </a:pPr>
+            <a:r>
+              <a:rPr lang="ru-RU" dirty="0"/>
+              <a:t> </a:t>
+            </a:r>
+          </a:p>
+          <a:p>
+            <a:pPr marL="0" indent="0">
+              <a:buNone/>
+            </a:pPr>
+            <a:r>
+              <a:rPr lang="ru-RU" dirty="0"/>
+              <a:t>Решение: </a:t>
+            </a:r>
+            <a:endParaRPr lang="en-US" dirty="0"/>
+          </a:p>
+          <a:p>
+            <a:r>
+              <a:rPr lang="ru-RU" dirty="0"/>
+              <a:t>увеличил </a:t>
+            </a:r>
+            <a:r>
+              <a:rPr lang="en-US" dirty="0"/>
+              <a:t>swap</a:t>
+            </a:r>
+            <a:r>
+              <a:rPr lang="ru-RU" dirty="0"/>
+              <a:t>, но стало ещё хуже – всё виснет на </a:t>
+            </a:r>
+            <a:r>
+              <a:rPr lang="en-US" dirty="0"/>
+              <a:t>background</a:t>
+            </a:r>
+            <a:r>
+              <a:rPr lang="ru-RU" dirty="0"/>
+              <a:t> </a:t>
+            </a:r>
+            <a:r>
+              <a:rPr lang="en-US" dirty="0"/>
+              <a:t>parsing job + </a:t>
+            </a:r>
+            <a:r>
+              <a:rPr lang="ru-RU" dirty="0"/>
+              <a:t>подключение к </a:t>
+            </a:r>
+            <a:r>
+              <a:rPr lang="ru-RU" dirty="0" err="1"/>
+              <a:t>серваку</a:t>
+            </a:r>
+            <a:r>
+              <a:rPr lang="ru-RU" dirty="0"/>
+              <a:t> происходит медленно</a:t>
+            </a:r>
+            <a:r>
+              <a:rPr lang="en-US" dirty="0"/>
+              <a:t>,</a:t>
+            </a:r>
+          </a:p>
+          <a:p>
+            <a:r>
+              <a:rPr lang="ru-RU" dirty="0"/>
+              <a:t>делал перезагрузку </a:t>
+            </a:r>
+            <a:r>
+              <a:rPr lang="en-US" dirty="0"/>
+              <a:t>VM, </a:t>
+            </a:r>
+            <a:r>
+              <a:rPr lang="ru-RU" dirty="0"/>
+              <a:t>помогало до момента первого </a:t>
+            </a:r>
+            <a:r>
+              <a:rPr lang="en-US" dirty="0"/>
+              <a:t>select</a:t>
+            </a:r>
+            <a:r>
+              <a:rPr lang="ru-RU" dirty="0"/>
+              <a:t>,</a:t>
+            </a:r>
+          </a:p>
+          <a:p>
+            <a:r>
+              <a:rPr lang="ru-RU" dirty="0"/>
+              <a:t>всё как-то само наладилось </a:t>
+            </a:r>
+          </a:p>
+          <a:p>
+            <a:pPr marL="0" indent="0">
+              <a:buNone/>
+            </a:pPr>
+            <a:endParaRPr lang="ru-RU" dirty="0"/>
+          </a:p>
+          <a:p>
+            <a:pPr marL="0" indent="0">
+              <a:buNone/>
+            </a:pPr>
+            <a:r>
+              <a:rPr lang="ru-RU" dirty="0"/>
+              <a:t> </a:t>
+            </a:r>
+          </a:p>
+        </p:txBody>
+      </p:sp>
+      <p:sp>
+        <p:nvSpPr>
+          <p:cNvPr id="4" name="Улыбающееся лицо 3">
+            <a:extLst>
+              <a:ext uri="{FF2B5EF4-FFF2-40B4-BE49-F238E27FC236}">
+                <a16:creationId xmlns:a16="http://schemas.microsoft.com/office/drawing/2014/main" id="{C3214F4B-3828-4E33-A431-EC768D283C4B}"/>
+              </a:ext>
+            </a:extLst>
+          </p:cNvPr>
+          <p:cNvSpPr/>
+          <p:nvPr/>
+        </p:nvSpPr>
+        <p:spPr>
+          <a:xfrm>
+            <a:off x="5165888" y="4826523"/>
+            <a:ext cx="348792" cy="329938"/>
+          </a:xfrm>
+          <a:prstGeom prst="smileyFace">
+            <a:avLst/>
+          </a:prstGeom>
+          <a:noFill/>
+        </p:spPr>
+        <p:style>
+          <a:lnRef idx="2">
+            <a:schemeClr val="accent1">
+              <a:shade val="50000"/>
+            </a:schemeClr>
+          </a:lnRef>
+          <a:fillRef idx="1">
+            <a:schemeClr val="accent1"/>
+          </a:fillRef>
+          <a:effectRef idx="0">
+            <a:schemeClr val="accent1"/>
+          </a:effectRef>
+          <a:fontRef idx="minor">
+            <a:schemeClr val="lt1"/>
+          </a:fontRef>
+        </p:style>
+        <p:txBody>
+          <a:bodyPr rtlCol="0" anchor="ctr"/>
+          <a:lstStyle/>
+          <a:p>
+            <a:pPr algn="ctr"/>
+            <a:endParaRPr lang="ru-RU"/>
+          </a:p>
+        </p:txBody>
+      </p:sp>
+    </p:spTree>
+    <p:extLst>
+      <p:ext uri="{BB962C8B-B14F-4D97-AF65-F5344CB8AC3E}">
+        <p14:creationId xmlns:p14="http://schemas.microsoft.com/office/powerpoint/2010/main" val="590427996"/>
       </p:ext>
     </p:extLst>
   </p:cSld>

--- a/Мои_факапс_юрлов.pptx
+++ b/Мои_факапс_юрлов.pptx
@@ -5100,16 +5100,19 @@
           <a:p>
             <a:r>
               <a:rPr lang="ru-RU" dirty="0"/>
-              <a:t>не сделал, т.к. оказывается </a:t>
-            </a:r>
-            <a:r>
-              <a:rPr lang="ru-RU" dirty="0" err="1"/>
-              <a:t>кликхаус</a:t>
-            </a:r>
-            <a:r>
-              <a:rPr lang="ru-RU" dirty="0"/>
-              <a:t> не может так, ну или пока не может</a:t>
-            </a:r>
+              <a:t>сделал, при помощи </a:t>
+            </a:r>
+            <a:endParaRPr lang="en-US" dirty="0"/>
+          </a:p>
+          <a:p>
+            <a:pPr marL="0" indent="0">
+              <a:buNone/>
+            </a:pPr>
+            <a:r>
+              <a:rPr lang="en-US" dirty="0"/>
+              <a:t>refresh every 1 week offset 5 day 7 hour</a:t>
+            </a:r>
+            <a:endParaRPr lang="ru-RU" dirty="0"/>
           </a:p>
           <a:p>
             <a:pPr marL="0" indent="0">
